--- a/scratch-leapmotion/instructions/en/Bongo Drum.pptx
+++ b/scratch-leapmotion/instructions/en/Bongo Drum.pptx
@@ -4694,7 +4694,7 @@
           <a:noFill/>
           <a:extLst>
             <a:ext uri="{909E8E84-426E-40dd-AFC4-6F175D3DCCD1}">
-              <a14:hiddenFill xmlns="" xmlns:a14="http://schemas.microsoft.com/office/drawing/2010/main">
+              <a14:hiddenFill xmlns:a14="http://schemas.microsoft.com/office/drawing/2010/main" xmlns="">
                 <a:solidFill>
                   <a:srgbClr val="FFFFFF"/>
                 </a:solidFill>
@@ -4735,7 +4735,7 @@
           <a:noFill/>
           <a:extLst>
             <a:ext uri="{909E8E84-426E-40dd-AFC4-6F175D3DCCD1}">
-              <a14:hiddenFill xmlns="" xmlns:a14="http://schemas.microsoft.com/office/drawing/2010/main">
+              <a14:hiddenFill xmlns:a14="http://schemas.microsoft.com/office/drawing/2010/main" xmlns="">
                 <a:solidFill>
                   <a:srgbClr val="FFFFFF"/>
                 </a:solidFill>
@@ -5705,7 +5705,7 @@
       </p:sp>
       <p:pic>
         <p:nvPicPr>
-          <p:cNvPr id="9" name="Tijdelijke aanduiding voor inhoud 8"/>
+          <p:cNvPr id="6" name="Tijdelijke aanduiding voor inhoud 5"/>
           <p:cNvPicPr>
             <a:picLocks noGrp="1" noChangeAspect="1"/>
           </p:cNvPicPr>
@@ -5713,15 +5713,22 @@
             <p:ph idx="1"/>
           </p:nvPr>
         </p:nvPicPr>
-        <p:blipFill rotWithShape="1">
-          <a:blip r:embed="rId2"/>
-          <a:srcRect t="2937" b="5381"/>
-          <a:stretch/>
+        <p:blipFill>
+          <a:blip r:embed="rId2">
+            <a:extLst>
+              <a:ext uri="{28A0092B-C50C-407E-A947-70E740481C1C}">
+                <a14:useLocalDpi xmlns:a14="http://schemas.microsoft.com/office/drawing/2010/main" val="0"/>
+              </a:ext>
+            </a:extLst>
+          </a:blip>
+          <a:stretch>
+            <a:fillRect/>
+          </a:stretch>
         </p:blipFill>
         <p:spPr>
           <a:xfrm>
-            <a:off x="1132678" y="2037283"/>
-            <a:ext cx="7236622" cy="4088879"/>
+            <a:off x="1261340" y="2003418"/>
+            <a:ext cx="6621320" cy="3740465"/>
           </a:xfrm>
         </p:spPr>
       </p:pic>
@@ -6291,14 +6298,7 @@
                 <a:latin typeface="Comic Sans MS"/>
                 <a:cs typeface="Comic Sans MS"/>
               </a:rPr>
-              <a:t>Click </a:t>
-            </a:r>
-            <a:r>
-              <a:rPr lang="en-US" dirty="0" smtClean="0">
-                <a:latin typeface="Comic Sans MS"/>
-                <a:cs typeface="Comic Sans MS"/>
-              </a:rPr>
-              <a:t>on ‘</a:t>
+              <a:t>Click on ‘</a:t>
             </a:r>
             <a:r>
               <a:rPr lang="en-US" dirty="0" smtClean="0">
@@ -6334,10 +6334,6 @@
               </a:rPr>
               <a:t>’ block in between the </a:t>
             </a:r>
-            <a:endParaRPr lang="en-US" dirty="0" smtClean="0">
-              <a:latin typeface="Comic Sans MS"/>
-              <a:cs typeface="Comic Sans MS"/>
-            </a:endParaRPr>
           </a:p>
           <a:p>
             <a:r>
@@ -6566,6 +6562,36 @@
           <a:chExt cx="0" cy="0"/>
         </a:xfrm>
       </p:grpSpPr>
+      <p:pic>
+        <p:nvPicPr>
+          <p:cNvPr id="3" name="Afbeelding 2"/>
+          <p:cNvPicPr>
+            <a:picLocks noChangeAspect="1"/>
+          </p:cNvPicPr>
+          <p:nvPr/>
+        </p:nvPicPr>
+        <p:blipFill>
+          <a:blip r:embed="rId2">
+            <a:extLst>
+              <a:ext uri="{28A0092B-C50C-407E-A947-70E740481C1C}">
+                <a14:useLocalDpi xmlns:a14="http://schemas.microsoft.com/office/drawing/2010/main" val="0"/>
+              </a:ext>
+            </a:extLst>
+          </a:blip>
+          <a:stretch>
+            <a:fillRect/>
+          </a:stretch>
+        </p:blipFill>
+        <p:spPr>
+          <a:xfrm>
+            <a:off x="6009720" y="3170134"/>
+            <a:ext cx="2535555" cy="752983"/>
+          </a:xfrm>
+          <a:prstGeom prst="rect">
+            <a:avLst/>
+          </a:prstGeom>
+        </p:spPr>
+      </p:pic>
       <p:sp>
         <p:nvSpPr>
           <p:cNvPr id="2" name="Title 1"/>
@@ -6794,54 +6820,6 @@
           </a:p>
         </p:txBody>
       </p:sp>
-      <p:pic>
-        <p:nvPicPr>
-          <p:cNvPr id="9" name="Afbeelding 8"/>
-          <p:cNvPicPr>
-            <a:picLocks noChangeAspect="1"/>
-          </p:cNvPicPr>
-          <p:nvPr/>
-        </p:nvPicPr>
-        <p:blipFill>
-          <a:blip r:embed="rId2"/>
-          <a:stretch>
-            <a:fillRect/>
-          </a:stretch>
-        </p:blipFill>
-        <p:spPr>
-          <a:xfrm>
-            <a:off x="5614609" y="3213100"/>
-            <a:ext cx="3251200" cy="635000"/>
-          </a:xfrm>
-          <a:prstGeom prst="rect">
-            <a:avLst/>
-          </a:prstGeom>
-        </p:spPr>
-      </p:pic>
-      <p:pic>
-        <p:nvPicPr>
-          <p:cNvPr id="10" name="Afbeelding 9"/>
-          <p:cNvPicPr>
-            <a:picLocks noChangeAspect="1"/>
-          </p:cNvPicPr>
-          <p:nvPr/>
-        </p:nvPicPr>
-        <p:blipFill>
-          <a:blip r:embed="rId3"/>
-          <a:stretch>
-            <a:fillRect/>
-          </a:stretch>
-        </p:blipFill>
-        <p:spPr>
-          <a:xfrm>
-            <a:off x="5549898" y="4978400"/>
-            <a:ext cx="3238500" cy="838200"/>
-          </a:xfrm>
-          <a:prstGeom prst="rect">
-            <a:avLst/>
-          </a:prstGeom>
-        </p:spPr>
-      </p:pic>
       <p:sp>
         <p:nvSpPr>
           <p:cNvPr id="13" name="Rounded Rectangle 11"/>
@@ -6886,6 +6864,36 @@
           </a:p>
         </p:txBody>
       </p:sp>
+      <p:pic>
+        <p:nvPicPr>
+          <p:cNvPr id="6" name="Afbeelding 5"/>
+          <p:cNvPicPr>
+            <a:picLocks noChangeAspect="1"/>
+          </p:cNvPicPr>
+          <p:nvPr/>
+        </p:nvPicPr>
+        <p:blipFill>
+          <a:blip r:embed="rId3">
+            <a:extLst>
+              <a:ext uri="{28A0092B-C50C-407E-A947-70E740481C1C}">
+                <a14:useLocalDpi xmlns:a14="http://schemas.microsoft.com/office/drawing/2010/main" val="0"/>
+              </a:ext>
+            </a:extLst>
+          </a:blip>
+          <a:stretch>
+            <a:fillRect/>
+          </a:stretch>
+        </p:blipFill>
+        <p:spPr>
+          <a:xfrm>
+            <a:off x="5562249" y="4873339"/>
+            <a:ext cx="2305050" cy="1131570"/>
+          </a:xfrm>
+          <a:prstGeom prst="rect">
+            <a:avLst/>
+          </a:prstGeom>
+        </p:spPr>
+      </p:pic>
       <p:sp>
         <p:nvSpPr>
           <p:cNvPr id="14" name="Rounded Rectangle 11"/>
@@ -7298,63 +7306,65 @@
               </a:rPr>
               <a:t>Go to File -&gt; Open and pick ‘Bongo.sb2’</a:t>
             </a:r>
-            <a:endParaRPr lang="en-US" dirty="0" smtClean="0">
-              <a:latin typeface="Comic Sans MS"/>
-              <a:cs typeface="Comic Sans MS"/>
-            </a:endParaRPr>
+          </a:p>
+        </p:txBody>
+      </p:sp>
+      <p:sp>
+        <p:nvSpPr>
+          <p:cNvPr id="9" name="Tekstvak 8"/>
+          <p:cNvSpPr txBox="1"/>
+          <p:nvPr/>
+        </p:nvSpPr>
+        <p:spPr>
+          <a:xfrm>
+            <a:off x="1097280" y="6432265"/>
+            <a:ext cx="184731" cy="369332"/>
+          </a:xfrm>
+          <a:prstGeom prst="rect">
+            <a:avLst/>
+          </a:prstGeom>
+          <a:noFill/>
+        </p:spPr>
+        <p:txBody>
+          <a:bodyPr wrap="none" rtlCol="0">
+            <a:spAutoFit/>
+          </a:bodyPr>
+          <a:lstStyle/>
+          <a:p>
+            <a:endParaRPr lang="nl-NL" dirty="0"/>
           </a:p>
         </p:txBody>
       </p:sp>
       <p:pic>
         <p:nvPicPr>
-          <p:cNvPr id="16" name="Afbeelding 15"/>
+          <p:cNvPr id="3" name="Afbeelding 2"/>
           <p:cNvPicPr>
             <a:picLocks noChangeAspect="1"/>
           </p:cNvPicPr>
           <p:nvPr/>
         </p:nvPicPr>
         <p:blipFill>
-          <a:blip r:embed="rId3"/>
+          <a:blip r:embed="rId3">
+            <a:extLst>
+              <a:ext uri="{28A0092B-C50C-407E-A947-70E740481C1C}">
+                <a14:useLocalDpi xmlns:a14="http://schemas.microsoft.com/office/drawing/2010/main" val="0"/>
+              </a:ext>
+            </a:extLst>
+          </a:blip>
           <a:stretch>
             <a:fillRect/>
           </a:stretch>
         </p:blipFill>
         <p:spPr>
           <a:xfrm>
-            <a:off x="3835686" y="1390952"/>
-            <a:ext cx="5435028" cy="5086048"/>
+            <a:off x="3525250" y="1531011"/>
+            <a:ext cx="5161550" cy="3655854"/>
           </a:xfrm>
           <a:prstGeom prst="rect">
             <a:avLst/>
           </a:prstGeom>
         </p:spPr>
       </p:pic>
-      <p:sp>
-        <p:nvSpPr>
-          <p:cNvPr id="9" name="Tekstvak 8"/>
-          <p:cNvSpPr txBox="1"/>
-          <p:nvPr/>
-        </p:nvSpPr>
-        <p:spPr>
-          <a:xfrm>
-            <a:off x="1097280" y="6432265"/>
-            <a:ext cx="184731" cy="369332"/>
-          </a:xfrm>
-          <a:prstGeom prst="rect">
-            <a:avLst/>
-          </a:prstGeom>
-          <a:noFill/>
-        </p:spPr>
-        <p:txBody>
-          <a:bodyPr wrap="none" rtlCol="0">
-            <a:spAutoFit/>
-          </a:bodyPr>
-          <a:lstStyle/>
-          <a:p>
-            <a:endParaRPr lang="nl-NL" dirty="0"/>
-          </a:p>
-        </p:txBody>
-      </p:sp>
     </p:spTree>
     <p:extLst>
       <p:ext uri="{BB962C8B-B14F-4D97-AF65-F5344CB8AC3E}">
@@ -7563,31 +7573,33 @@
               </a:rPr>
               <a:t>A friend who dances to the drum</a:t>
             </a:r>
-            <a:endParaRPr lang="en-US" dirty="0" smtClean="0">
-              <a:latin typeface="Comic Sans MS"/>
-              <a:cs typeface="Comic Sans MS"/>
-            </a:endParaRPr>
           </a:p>
         </p:txBody>
       </p:sp>
       <p:pic>
         <p:nvPicPr>
-          <p:cNvPr id="7" name="Afbeelding 6"/>
+          <p:cNvPr id="9" name="Afbeelding 8"/>
           <p:cNvPicPr>
             <a:picLocks noChangeAspect="1"/>
           </p:cNvPicPr>
           <p:nvPr/>
         </p:nvPicPr>
         <p:blipFill>
-          <a:blip r:embed="rId3"/>
+          <a:blip r:embed="rId3">
+            <a:extLst>
+              <a:ext uri="{28A0092B-C50C-407E-A947-70E740481C1C}">
+                <a14:useLocalDpi xmlns:a14="http://schemas.microsoft.com/office/drawing/2010/main" val="0"/>
+              </a:ext>
+            </a:extLst>
+          </a:blip>
           <a:stretch>
             <a:fillRect/>
           </a:stretch>
         </p:blipFill>
         <p:spPr>
           <a:xfrm>
-            <a:off x="3902186" y="1175052"/>
-            <a:ext cx="5435028" cy="5086048"/>
+            <a:off x="4597206" y="1348219"/>
+            <a:ext cx="5677705" cy="4021439"/>
           </a:xfrm>
           <a:prstGeom prst="rect">
             <a:avLst/>
@@ -7631,6 +7643,36 @@
           <a:chExt cx="0" cy="0"/>
         </a:xfrm>
       </p:grpSpPr>
+      <p:pic>
+        <p:nvPicPr>
+          <p:cNvPr id="3" name="Afbeelding 2"/>
+          <p:cNvPicPr>
+            <a:picLocks noChangeAspect="1"/>
+          </p:cNvPicPr>
+          <p:nvPr/>
+        </p:nvPicPr>
+        <p:blipFill>
+          <a:blip r:embed="rId2">
+            <a:extLst>
+              <a:ext uri="{28A0092B-C50C-407E-A947-70E740481C1C}">
+                <a14:useLocalDpi xmlns:a14="http://schemas.microsoft.com/office/drawing/2010/main" val="0"/>
+              </a:ext>
+            </a:extLst>
+          </a:blip>
+          <a:stretch>
+            <a:fillRect/>
+          </a:stretch>
+        </p:blipFill>
+        <p:spPr>
+          <a:xfrm>
+            <a:off x="3714347" y="1564854"/>
+            <a:ext cx="5677705" cy="3800825"/>
+          </a:xfrm>
+          <a:prstGeom prst="rect">
+            <a:avLst/>
+          </a:prstGeom>
+        </p:spPr>
+      </p:pic>
       <p:sp>
         <p:nvSpPr>
           <p:cNvPr id="2" name="Title 1"/>
@@ -7806,30 +7848,6 @@
           </a:p>
         </p:txBody>
       </p:sp>
-      <p:pic>
-        <p:nvPicPr>
-          <p:cNvPr id="11" name="Afbeelding 10"/>
-          <p:cNvPicPr>
-            <a:picLocks noChangeAspect="1"/>
-          </p:cNvPicPr>
-          <p:nvPr/>
-        </p:nvPicPr>
-        <p:blipFill>
-          <a:blip r:embed="rId2"/>
-          <a:stretch>
-            <a:fillRect/>
-          </a:stretch>
-        </p:blipFill>
-        <p:spPr>
-          <a:xfrm>
-            <a:off x="3556685" y="1390952"/>
-            <a:ext cx="5798104" cy="3828748"/>
-          </a:xfrm>
-          <a:prstGeom prst="rect">
-            <a:avLst/>
-          </a:prstGeom>
-        </p:spPr>
-      </p:pic>
       <p:sp>
         <p:nvSpPr>
           <p:cNvPr id="7" name="Rounded Rectangle 6"/>
@@ -7838,7 +7856,7 @@
         </p:nvSpPr>
         <p:spPr>
           <a:xfrm>
-            <a:off x="5735562" y="1707394"/>
+            <a:off x="6001567" y="1707394"/>
             <a:ext cx="568476" cy="391822"/>
           </a:xfrm>
           <a:prstGeom prst="roundRect">
@@ -8637,22 +8655,28 @@
       </p:sp>
       <p:pic>
         <p:nvPicPr>
-          <p:cNvPr id="14" name="Afbeelding 13"/>
+          <p:cNvPr id="3" name="Afbeelding 2"/>
           <p:cNvPicPr>
             <a:picLocks noChangeAspect="1"/>
           </p:cNvPicPr>
           <p:nvPr/>
         </p:nvPicPr>
         <p:blipFill>
-          <a:blip r:embed="rId3"/>
+          <a:blip r:embed="rId3">
+            <a:extLst>
+              <a:ext uri="{28A0092B-C50C-407E-A947-70E740481C1C}">
+                <a14:useLocalDpi xmlns:a14="http://schemas.microsoft.com/office/drawing/2010/main" val="0"/>
+              </a:ext>
+            </a:extLst>
+          </a:blip>
           <a:stretch>
             <a:fillRect/>
           </a:stretch>
         </p:blipFill>
         <p:spPr>
           <a:xfrm>
-            <a:off x="5149940" y="1390952"/>
-            <a:ext cx="2705100" cy="1257300"/>
+            <a:off x="5767336" y="1313609"/>
+            <a:ext cx="1813306" cy="891286"/>
           </a:xfrm>
           <a:prstGeom prst="rect">
             <a:avLst/>
@@ -8696,6 +8720,66 @@
           <a:chExt cx="0" cy="0"/>
         </a:xfrm>
       </p:grpSpPr>
+      <p:pic>
+        <p:nvPicPr>
+          <p:cNvPr id="6" name="Afbeelding 5"/>
+          <p:cNvPicPr>
+            <a:picLocks noChangeAspect="1"/>
+          </p:cNvPicPr>
+          <p:nvPr/>
+        </p:nvPicPr>
+        <p:blipFill>
+          <a:blip r:embed="rId3">
+            <a:extLst>
+              <a:ext uri="{28A0092B-C50C-407E-A947-70E740481C1C}">
+                <a14:useLocalDpi xmlns:a14="http://schemas.microsoft.com/office/drawing/2010/main" val="0"/>
+              </a:ext>
+            </a:extLst>
+          </a:blip>
+          <a:stretch>
+            <a:fillRect/>
+          </a:stretch>
+        </p:blipFill>
+        <p:spPr>
+          <a:xfrm>
+            <a:off x="5237825" y="3797423"/>
+            <a:ext cx="1663700" cy="1905000"/>
+          </a:xfrm>
+          <a:prstGeom prst="rect">
+            <a:avLst/>
+          </a:prstGeom>
+        </p:spPr>
+      </p:pic>
+      <p:pic>
+        <p:nvPicPr>
+          <p:cNvPr id="3" name="Afbeelding 2"/>
+          <p:cNvPicPr>
+            <a:picLocks noChangeAspect="1"/>
+          </p:cNvPicPr>
+          <p:nvPr/>
+        </p:nvPicPr>
+        <p:blipFill>
+          <a:blip r:embed="rId4">
+            <a:extLst>
+              <a:ext uri="{28A0092B-C50C-407E-A947-70E740481C1C}">
+                <a14:useLocalDpi xmlns:a14="http://schemas.microsoft.com/office/drawing/2010/main" val="0"/>
+              </a:ext>
+            </a:extLst>
+          </a:blip>
+          <a:stretch>
+            <a:fillRect/>
+          </a:stretch>
+        </p:blipFill>
+        <p:spPr>
+          <a:xfrm>
+            <a:off x="5363902" y="1462907"/>
+            <a:ext cx="1587500" cy="1206500"/>
+          </a:xfrm>
+          <a:prstGeom prst="rect">
+            <a:avLst/>
+          </a:prstGeom>
+        </p:spPr>
+      </p:pic>
       <p:sp>
         <p:nvSpPr>
           <p:cNvPr id="2" name="Title 1"/>
@@ -9474,30 +9558,6 @@
           </a:p>
         </p:txBody>
       </p:sp>
-      <p:pic>
-        <p:nvPicPr>
-          <p:cNvPr id="15" name="Afbeelding 14"/>
-          <p:cNvPicPr>
-            <a:picLocks noChangeAspect="1"/>
-          </p:cNvPicPr>
-          <p:nvPr/>
-        </p:nvPicPr>
-        <p:blipFill>
-          <a:blip r:embed="rId3"/>
-          <a:stretch>
-            <a:fillRect/>
-          </a:stretch>
-        </p:blipFill>
-        <p:spPr>
-          <a:xfrm>
-            <a:off x="5264150" y="1390952"/>
-            <a:ext cx="2578100" cy="1384300"/>
-          </a:xfrm>
-          <a:prstGeom prst="rect">
-            <a:avLst/>
-          </a:prstGeom>
-        </p:spPr>
-      </p:pic>
       <p:sp>
         <p:nvSpPr>
           <p:cNvPr id="12" name="Rounded Rectangle 11"/>
@@ -9542,30 +9602,6 @@
           </a:p>
         </p:txBody>
       </p:sp>
-      <p:pic>
-        <p:nvPicPr>
-          <p:cNvPr id="16" name="Afbeelding 15"/>
-          <p:cNvPicPr>
-            <a:picLocks noChangeAspect="1"/>
-          </p:cNvPicPr>
-          <p:nvPr/>
-        </p:nvPicPr>
-        <p:blipFill>
-          <a:blip r:embed="rId4"/>
-          <a:stretch>
-            <a:fillRect/>
-          </a:stretch>
-        </p:blipFill>
-        <p:spPr>
-          <a:xfrm>
-            <a:off x="5264151" y="3759200"/>
-            <a:ext cx="2578100" cy="1828800"/>
-          </a:xfrm>
-          <a:prstGeom prst="rect">
-            <a:avLst/>
-          </a:prstGeom>
-        </p:spPr>
-      </p:pic>
       <p:sp>
         <p:nvSpPr>
           <p:cNvPr id="17" name="Rounded Rectangle 11"/>

--- a/scratch-leapmotion/instructions/en/Bongo Drum.pptx
+++ b/scratch-leapmotion/instructions/en/Bongo Drum.pptx
@@ -126,7 +126,7 @@
   </p:defaultTextStyle>
   <p:extLst>
     <p:ext uri="{EFAFB233-063F-42B5-8137-9DF3F51BA10A}">
-      <p15:sldGuideLst xmlns:p15="http://schemas.microsoft.com/office/powerpoint/2012/main">
+      <p15:sldGuideLst xmlns:p15="http://schemas.microsoft.com/office/powerpoint/2012/main" xmlns="">
         <p15:guide id="1" orient="horz" pos="2160">
           <p15:clr>
             <a:srgbClr val="A4A3A4"/>
@@ -225,7 +225,7 @@
           <a:p>
             <a:fld id="{FD5240AD-D0E5-8743-BED0-4875EEDE37D1}" type="datetimeFigureOut">
               <a:rPr lang="en-US" smtClean="0"/>
-              <a:t>10/21/15</a:t>
+              <a:t>21/10/15</a:t>
             </a:fld>
             <a:endParaRPr lang="en-US"/>
           </a:p>
@@ -291,7 +291,7 @@
           <a:p>
             <a:fld id="{279E9EA6-BBB3-1E40-BFD1-2E852B6140C4}" type="slidenum">
               <a:rPr lang="en-US" smtClean="0"/>
-              <a:t>‹nr.›</a:t>
+              <a:t>‹#›</a:t>
             </a:fld>
             <a:endParaRPr lang="en-US"/>
           </a:p>
@@ -391,7 +391,7 @@
           <a:p>
             <a:fld id="{59F1AF83-5EC3-2645-9357-E8053F4E6264}" type="datetimeFigureOut">
               <a:rPr lang="en-US" smtClean="0"/>
-              <a:t>10/21/15</a:t>
+              <a:t>21/10/15</a:t>
             </a:fld>
             <a:endParaRPr lang="en-US"/>
           </a:p>
@@ -550,7 +550,7 @@
           <a:p>
             <a:fld id="{019186DE-8459-354D-92FA-6DAD5BD2E459}" type="slidenum">
               <a:rPr lang="en-US" smtClean="0"/>
-              <a:t>‹nr.›</a:t>
+              <a:t>‹#›</a:t>
             </a:fld>
             <a:endParaRPr lang="en-US"/>
           </a:p>
@@ -1705,7 +1705,7 @@
             <a:fld id="{6C0001A9-357E-7541-840E-1F18FD9D64CA}" type="slidenum">
               <a:rPr lang="en-US" smtClean="0"/>
               <a:pPr algn="r"/>
-              <a:t>‹nr.›</a:t>
+              <a:t>‹#›</a:t>
             </a:fld>
             <a:endParaRPr lang="en-US" dirty="0"/>
           </a:p>
@@ -1990,7 +1990,7 @@
             <a:fld id="{6C0001A9-357E-7541-840E-1F18FD9D64CA}" type="slidenum">
               <a:rPr lang="en-US" smtClean="0"/>
               <a:pPr algn="r"/>
-              <a:t>‹nr.›</a:t>
+              <a:t>‹#›</a:t>
             </a:fld>
             <a:endParaRPr lang="en-US" dirty="0"/>
           </a:p>
@@ -2313,7 +2313,7 @@
             <a:fld id="{6C0001A9-357E-7541-840E-1F18FD9D64CA}" type="slidenum">
               <a:rPr lang="en-US" smtClean="0"/>
               <a:pPr/>
-              <a:t>‹nr.›</a:t>
+              <a:t>‹#›</a:t>
             </a:fld>
             <a:endParaRPr lang="en-US" dirty="0"/>
           </a:p>
@@ -2652,7 +2652,7 @@
             <a:fld id="{6C0001A9-357E-7541-840E-1F18FD9D64CA}" type="slidenum">
               <a:rPr lang="en-US" smtClean="0"/>
               <a:pPr algn="r"/>
-              <a:t>‹nr.›</a:t>
+              <a:t>‹#›</a:t>
             </a:fld>
             <a:endParaRPr lang="en-US" dirty="0"/>
           </a:p>
@@ -3158,7 +3158,7 @@
             <a:fld id="{6C0001A9-357E-7541-840E-1F18FD9D64CA}" type="slidenum">
               <a:rPr lang="en-US" smtClean="0"/>
               <a:pPr algn="r"/>
-              <a:t>‹nr.›</a:t>
+              <a:t>‹#›</a:t>
             </a:fld>
             <a:endParaRPr lang="en-US" dirty="0"/>
           </a:p>
@@ -3352,7 +3352,7 @@
             <a:fld id="{6C0001A9-357E-7541-840E-1F18FD9D64CA}" type="slidenum">
               <a:rPr lang="en-US" smtClean="0"/>
               <a:pPr algn="r"/>
-              <a:t>‹nr.›</a:t>
+              <a:t>‹#›</a:t>
             </a:fld>
             <a:endParaRPr lang="en-US" dirty="0"/>
           </a:p>
@@ -3546,7 +3546,7 @@
             <a:fld id="{6C0001A9-357E-7541-840E-1F18FD9D64CA}" type="slidenum">
               <a:rPr lang="en-US" smtClean="0"/>
               <a:pPr algn="r"/>
-              <a:t>‹nr.›</a:t>
+              <a:t>‹#›</a:t>
             </a:fld>
             <a:endParaRPr lang="en-US" dirty="0"/>
           </a:p>
@@ -3928,7 +3928,7 @@
             <a:fld id="{6C0001A9-357E-7541-840E-1F18FD9D64CA}" type="slidenum">
               <a:rPr lang="en-US" smtClean="0"/>
               <a:pPr algn="r"/>
-              <a:t>‹nr.›</a:t>
+              <a:t>‹#›</a:t>
             </a:fld>
             <a:endParaRPr lang="en-US" dirty="0"/>
           </a:p>
@@ -4230,7 +4230,7 @@
             <a:fld id="{6C0001A9-357E-7541-840E-1F18FD9D64CA}" type="slidenum">
               <a:rPr lang="en-US" smtClean="0"/>
               <a:pPr algn="r"/>
-              <a:t>‹nr.›</a:t>
+              <a:t>‹#›</a:t>
             </a:fld>
             <a:endParaRPr lang="en-US" dirty="0"/>
           </a:p>
@@ -4694,7 +4694,7 @@
           <a:noFill/>
           <a:extLst>
             <a:ext uri="{909E8E84-426E-40dd-AFC4-6F175D3DCCD1}">
-              <a14:hiddenFill xmlns:a14="http://schemas.microsoft.com/office/drawing/2010/main" xmlns="">
+              <a14:hiddenFill xmlns:a14="http://schemas.microsoft.com/office/drawing/2010/main">
                 <a:solidFill>
                   <a:srgbClr val="FFFFFF"/>
                 </a:solidFill>
@@ -4735,7 +4735,7 @@
           <a:noFill/>
           <a:extLst>
             <a:ext uri="{909E8E84-426E-40dd-AFC4-6F175D3DCCD1}">
-              <a14:hiddenFill xmlns:a14="http://schemas.microsoft.com/office/drawing/2010/main" xmlns="">
+              <a14:hiddenFill xmlns:a14="http://schemas.microsoft.com/office/drawing/2010/main">
                 <a:solidFill>
                   <a:srgbClr val="FFFFFF"/>
                 </a:solidFill>
@@ -4787,7 +4787,7 @@
   <p:timing>
     <p:tnLst>
       <p:par>
-        <p:cTn id="1" dur="indefinite" restart="never" nodeType="tmRoot"/>
+        <p:cTn xmlns:p14="http://schemas.microsoft.com/office/powerpoint/2010/main" id="1" dur="indefinite" restart="never" nodeType="tmRoot"/>
       </p:par>
     </p:tnLst>
   </p:timing>
@@ -5309,7 +5309,7 @@
   <p:timing>
     <p:tnLst>
       <p:par>
-        <p:cTn id="1" dur="indefinite" restart="never" nodeType="tmRoot"/>
+        <p:cTn xmlns:p14="http://schemas.microsoft.com/office/powerpoint/2010/main" id="1" dur="indefinite" restart="never" nodeType="tmRoot"/>
       </p:par>
     </p:tnLst>
   </p:timing>
@@ -5745,7 +5745,7 @@
   <p:timing>
     <p:tnLst>
       <p:par>
-        <p:cTn id="1" dur="indefinite" restart="never" nodeType="tmRoot"/>
+        <p:cTn xmlns:p14="http://schemas.microsoft.com/office/powerpoint/2010/main" id="1" dur="indefinite" restart="never" nodeType="tmRoot"/>
       </p:par>
     </p:tnLst>
   </p:timing>
@@ -6033,7 +6033,7 @@
   <p:timing>
     <p:tnLst>
       <p:par>
-        <p:cTn id="1" dur="indefinite" restart="never" nodeType="tmRoot"/>
+        <p:cTn xmlns:p14="http://schemas.microsoft.com/office/powerpoint/2010/main" id="1" dur="indefinite" restart="never" nodeType="tmRoot"/>
       </p:par>
     </p:tnLst>
   </p:timing>
@@ -6538,7 +6538,7 @@
   <p:timing>
     <p:tnLst>
       <p:par>
-        <p:cTn id="1" dur="indefinite" restart="never" nodeType="tmRoot"/>
+        <p:cTn xmlns:p14="http://schemas.microsoft.com/office/powerpoint/2010/main" id="1" dur="indefinite" restart="never" nodeType="tmRoot"/>
       </p:par>
     </p:tnLst>
   </p:timing>
@@ -6792,7 +6792,41 @@
                 <a:latin typeface="Comic Sans MS"/>
                 <a:cs typeface="Comic Sans MS"/>
               </a:rPr>
-              <a:t>Click on ‘Looks’ and then drag the ‘next costume’ underneath the ’</a:t>
+              <a:t>Click on ‘</a:t>
+            </a:r>
+            <a:r>
+              <a:rPr lang="en-US" dirty="0" smtClean="0">
+                <a:solidFill>
+                  <a:srgbClr val="7633D1"/>
+                </a:solidFill>
+                <a:latin typeface="Comic Sans MS"/>
+                <a:cs typeface="Comic Sans MS"/>
+              </a:rPr>
+              <a:t>Looks</a:t>
+            </a:r>
+            <a:r>
+              <a:rPr lang="en-US" dirty="0" smtClean="0">
+                <a:latin typeface="Comic Sans MS"/>
+                <a:cs typeface="Comic Sans MS"/>
+              </a:rPr>
+              <a:t>’ and then drag the ‘</a:t>
+            </a:r>
+            <a:r>
+              <a:rPr lang="en-US" dirty="0" smtClean="0">
+                <a:solidFill>
+                  <a:srgbClr val="7633D1"/>
+                </a:solidFill>
+                <a:latin typeface="Comic Sans MS"/>
+                <a:cs typeface="Comic Sans MS"/>
+              </a:rPr>
+              <a:t>next costume</a:t>
+            </a:r>
+            <a:r>
+              <a:rPr lang="en-US" dirty="0" smtClean="0">
+                <a:latin typeface="Comic Sans MS"/>
+                <a:cs typeface="Comic Sans MS"/>
+              </a:rPr>
+              <a:t>’ underneath the ’</a:t>
             </a:r>
             <a:r>
               <a:rPr lang="en-US" dirty="0" smtClean="0">
@@ -6951,7 +6985,7 @@
   <p:timing>
     <p:tnLst>
       <p:par>
-        <p:cTn id="1" dur="indefinite" restart="never" nodeType="tmRoot"/>
+        <p:cTn xmlns:p14="http://schemas.microsoft.com/office/powerpoint/2010/main" id="1" dur="indefinite" restart="never" nodeType="tmRoot"/>
       </p:par>
     </p:tnLst>
   </p:timing>
@@ -7143,7 +7177,7 @@
   <p:timing>
     <p:tnLst>
       <p:par>
-        <p:cTn id="1" dur="indefinite" restart="never" nodeType="tmRoot"/>
+        <p:cTn xmlns:p14="http://schemas.microsoft.com/office/powerpoint/2010/main" id="1" dur="indefinite" restart="never" nodeType="tmRoot"/>
       </p:par>
     </p:tnLst>
   </p:timing>
@@ -7378,7 +7412,7 @@
   <p:timing>
     <p:tnLst>
       <p:par>
-        <p:cTn id="1" dur="indefinite" restart="never" nodeType="tmRoot"/>
+        <p:cTn xmlns:p14="http://schemas.microsoft.com/office/powerpoint/2010/main" id="1" dur="indefinite" restart="never" nodeType="tmRoot"/>
       </p:par>
     </p:tnLst>
   </p:timing>
@@ -7619,7 +7653,7 @@
   <p:timing>
     <p:tnLst>
       <p:par>
-        <p:cTn id="1" dur="indefinite" restart="never" nodeType="tmRoot"/>
+        <p:cTn xmlns:p14="http://schemas.microsoft.com/office/powerpoint/2010/main" id="1" dur="indefinite" restart="never" nodeType="tmRoot"/>
       </p:par>
     </p:tnLst>
   </p:timing>
@@ -7665,8 +7699,8 @@
         </p:blipFill>
         <p:spPr>
           <a:xfrm>
-            <a:off x="3714347" y="1564854"/>
-            <a:ext cx="5677705" cy="3800825"/>
+            <a:off x="3841347" y="1545096"/>
+            <a:ext cx="5061741" cy="3388480"/>
           </a:xfrm>
           <a:prstGeom prst="rect">
             <a:avLst/>
@@ -7783,18 +7817,18 @@
               <a:t>Let’s see what </a:t>
             </a:r>
             <a:r>
-              <a:rPr lang="en-US" dirty="0" err="1" smtClean="0">
-                <a:latin typeface="Comic Sans MS"/>
-                <a:cs typeface="Comic Sans MS"/>
-              </a:rPr>
-              <a:t>happends</a:t>
-            </a:r>
-            <a:r>
               <a:rPr lang="en-US" dirty="0" smtClean="0">
                 <a:latin typeface="Comic Sans MS"/>
                 <a:cs typeface="Comic Sans MS"/>
               </a:rPr>
-              <a:t> when we click on the green flag.</a:t>
+              <a:t>happens </a:t>
+            </a:r>
+            <a:r>
+              <a:rPr lang="en-US" dirty="0" smtClean="0">
+                <a:latin typeface="Comic Sans MS"/>
+                <a:cs typeface="Comic Sans MS"/>
+              </a:rPr>
+              <a:t>when we click on the green flag.</a:t>
             </a:r>
           </a:p>
           <a:p>
@@ -7905,7 +7939,7 @@
   <p:timing>
     <p:tnLst>
       <p:par>
-        <p:cTn id="1" dur="indefinite" restart="never" nodeType="tmRoot"/>
+        <p:cTn xmlns:p14="http://schemas.microsoft.com/office/powerpoint/2010/main" id="1" dur="indefinite" restart="never" nodeType="tmRoot"/>
       </p:par>
     </p:tnLst>
   </p:timing>
@@ -8696,7 +8730,7 @@
   <p:timing>
     <p:tnLst>
       <p:par>
-        <p:cTn id="1" dur="indefinite" restart="never" nodeType="tmRoot"/>
+        <p:cTn xmlns:p14="http://schemas.microsoft.com/office/powerpoint/2010/main" id="1" dur="indefinite" restart="never" nodeType="tmRoot"/>
       </p:par>
     </p:tnLst>
   </p:timing>
@@ -9659,7 +9693,7 @@
   <p:timing>
     <p:tnLst>
       <p:par>
-        <p:cTn id="1" dur="indefinite" restart="never" nodeType="tmRoot"/>
+        <p:cTn xmlns:p14="http://schemas.microsoft.com/office/powerpoint/2010/main" id="1" dur="indefinite" restart="never" nodeType="tmRoot"/>
       </p:par>
     </p:tnLst>
   </p:timing>
@@ -10746,7 +10780,7 @@
   <p:timing>
     <p:tnLst>
       <p:par>
-        <p:cTn id="1" dur="indefinite" restart="never" nodeType="tmRoot"/>
+        <p:cTn xmlns:p14="http://schemas.microsoft.com/office/powerpoint/2010/main" id="1" dur="indefinite" restart="never" nodeType="tmRoot"/>
       </p:par>
     </p:tnLst>
   </p:timing>
@@ -11098,7 +11132,7 @@
   <p:timing>
     <p:tnLst>
       <p:par>
-        <p:cTn id="1" dur="indefinite" restart="never" nodeType="tmRoot"/>
+        <p:cTn xmlns:p14="http://schemas.microsoft.com/office/powerpoint/2010/main" id="1" dur="indefinite" restart="never" nodeType="tmRoot"/>
       </p:par>
     </p:tnLst>
   </p:timing>
@@ -11417,7 +11451,7 @@
   <p:timing>
     <p:tnLst>
       <p:par>
-        <p:cTn id="1" dur="indefinite" restart="never" nodeType="tmRoot"/>
+        <p:cTn xmlns:p14="http://schemas.microsoft.com/office/powerpoint/2010/main" id="1" dur="indefinite" restart="never" nodeType="tmRoot"/>
       </p:par>
     </p:tnLst>
   </p:timing>
